--- a/intern_data_class1901/6_making_powerpoint_charts.pptx
+++ b/intern_data_class1901/6_making_powerpoint_charts.pptx
@@ -5,12 +5,13 @@
     <p:sldMasterId id="2147483654" r:id="rId1"/>
   </p:sldMasterIdLst>
   <p:notesMasterIdLst>
-    <p:notesMasterId r:id="rId5"/>
+    <p:notesMasterId r:id="rId6"/>
   </p:notesMasterIdLst>
   <p:sldIdLst>
     <p:sldId id="400" r:id="rId2"/>
     <p:sldId id="446" r:id="rId3"/>
     <p:sldId id="445" r:id="rId4"/>
+    <p:sldId id="447" r:id="rId5"/>
   </p:sldIdLst>
   <p:sldSz cx="9144000" cy="6858000" type="screen4x3"/>
   <p:notesSz cx="6797675" cy="9928225"/>
@@ -3858,6 +3859,193 @@
     <p:extLst>
       <p:ext uri="{BB962C8B-B14F-4D97-AF65-F5344CB8AC3E}">
         <p14:creationId xmlns:p14="http://schemas.microsoft.com/office/powerpoint/2010/main" val="1406539831"/>
+      </p:ext>
+    </p:extLst>
+  </p:cSld>
+  <p:clrMapOvr>
+    <a:masterClrMapping/>
+  </p:clrMapOvr>
+</p:sld>
+</file>
+
+<file path=ppt/slides/slide4.xml><?xml version="1.0" encoding="utf-8"?>
+<p:sld xmlns:a="http://schemas.openxmlformats.org/drawingml/2006/main" xmlns:r="http://schemas.openxmlformats.org/officeDocument/2006/relationships" xmlns:p="http://schemas.openxmlformats.org/presentationml/2006/main">
+  <p:cSld>
+    <p:spTree>
+      <p:nvGrpSpPr>
+        <p:cNvPr id="1" name=""/>
+        <p:cNvGrpSpPr/>
+        <p:nvPr/>
+      </p:nvGrpSpPr>
+      <p:grpSpPr>
+        <a:xfrm>
+          <a:off x="0" y="0"/>
+          <a:ext cx="0" cy="0"/>
+          <a:chOff x="0" y="0"/>
+          <a:chExt cx="0" cy="0"/>
+        </a:xfrm>
+      </p:grpSpPr>
+      <p:sp>
+        <p:nvSpPr>
+          <p:cNvPr id="2" name="Title 1">
+            <a:extLst>
+              <a:ext uri="{FF2B5EF4-FFF2-40B4-BE49-F238E27FC236}">
+                <a16:creationId xmlns:a16="http://schemas.microsoft.com/office/drawing/2014/main" id="{11BA16BA-3C26-BC45-8D58-53161E0511FB}"/>
+              </a:ext>
+            </a:extLst>
+          </p:cNvPr>
+          <p:cNvSpPr>
+            <a:spLocks noGrp="1"/>
+          </p:cNvSpPr>
+          <p:nvPr>
+            <p:ph type="title"/>
+          </p:nvPr>
+        </p:nvSpPr>
+        <p:spPr/>
+        <p:txBody>
+          <a:bodyPr/>
+          <a:lstStyle/>
+          <a:p>
+            <a:endParaRPr lang="en-US"/>
+          </a:p>
+        </p:txBody>
+      </p:sp>
+      <p:sp>
+        <p:nvSpPr>
+          <p:cNvPr id="3" name="Text Placeholder 2">
+            <a:extLst>
+              <a:ext uri="{FF2B5EF4-FFF2-40B4-BE49-F238E27FC236}">
+                <a16:creationId xmlns:a16="http://schemas.microsoft.com/office/drawing/2014/main" id="{4E385A0A-7BE9-514F-8AD4-0D1F632E8415}"/>
+              </a:ext>
+            </a:extLst>
+          </p:cNvPr>
+          <p:cNvSpPr>
+            <a:spLocks noGrp="1"/>
+          </p:cNvSpPr>
+          <p:nvPr>
+            <p:ph type="body" sz="quarter" idx="10"/>
+          </p:nvPr>
+        </p:nvSpPr>
+        <p:spPr/>
+        <p:txBody>
+          <a:bodyPr/>
+          <a:lstStyle/>
+          <a:p>
+            <a:endParaRPr lang="en-US"/>
+          </a:p>
+        </p:txBody>
+      </p:sp>
+      <p:sp>
+        <p:nvSpPr>
+          <p:cNvPr id="4" name="Text Placeholder 3">
+            <a:extLst>
+              <a:ext uri="{FF2B5EF4-FFF2-40B4-BE49-F238E27FC236}">
+                <a16:creationId xmlns:a16="http://schemas.microsoft.com/office/drawing/2014/main" id="{0F3B01CB-38FF-B541-BC67-9BB2847BB14F}"/>
+              </a:ext>
+            </a:extLst>
+          </p:cNvPr>
+          <p:cNvSpPr>
+            <a:spLocks noGrp="1"/>
+          </p:cNvSpPr>
+          <p:nvPr>
+            <p:ph type="body" sz="quarter" idx="11"/>
+          </p:nvPr>
+        </p:nvSpPr>
+        <p:spPr/>
+        <p:txBody>
+          <a:bodyPr/>
+          <a:lstStyle/>
+          <a:p>
+            <a:endParaRPr lang="en-US"/>
+          </a:p>
+        </p:txBody>
+      </p:sp>
+      <p:sp>
+        <p:nvSpPr>
+          <p:cNvPr id="5" name="Chart Placeholder 4">
+            <a:extLst>
+              <a:ext uri="{FF2B5EF4-FFF2-40B4-BE49-F238E27FC236}">
+                <a16:creationId xmlns:a16="http://schemas.microsoft.com/office/drawing/2014/main" id="{90D018FD-DBD2-9646-8380-C2D791231896}"/>
+              </a:ext>
+            </a:extLst>
+          </p:cNvPr>
+          <p:cNvSpPr>
+            <a:spLocks noGrp="1"/>
+          </p:cNvSpPr>
+          <p:nvPr>
+            <p:ph type="chart" sz="quarter" idx="12"/>
+          </p:nvPr>
+        </p:nvSpPr>
+        <p:spPr/>
+      </p:sp>
+      <p:sp>
+        <p:nvSpPr>
+          <p:cNvPr id="6" name="TextBox 5">
+            <a:extLst>
+              <a:ext uri="{FF2B5EF4-FFF2-40B4-BE49-F238E27FC236}">
+                <a16:creationId xmlns:a16="http://schemas.microsoft.com/office/drawing/2014/main" id="{A61D2941-F8EB-364E-BEB9-515A1A4E712D}"/>
+              </a:ext>
+            </a:extLst>
+          </p:cNvPr>
+          <p:cNvSpPr txBox="1"/>
+          <p:nvPr/>
+        </p:nvSpPr>
+        <p:spPr>
+          <a:xfrm>
+            <a:off x="-58304" y="-33014"/>
+            <a:ext cx="7582632" cy="461665"/>
+          </a:xfrm>
+          <a:prstGeom prst="rect">
+            <a:avLst/>
+          </a:prstGeom>
+          <a:noFill/>
+        </p:spPr>
+        <p:txBody>
+          <a:bodyPr wrap="square" rtlCol="0">
+            <a:spAutoFit/>
+          </a:bodyPr>
+          <a:lstStyle/>
+          <a:p>
+            <a:r>
+              <a:rPr lang="en-US" dirty="0">
+                <a:solidFill>
+                  <a:schemeClr val="accent6">
+                    <a:lumMod val="75000"/>
+                  </a:schemeClr>
+                </a:solidFill>
+                <a:latin typeface="Consolas" panose="020B0609020204030204" pitchFamily="49" charset="0"/>
+                <a:cs typeface="Consolas" panose="020B0609020204030204" pitchFamily="49" charset="0"/>
+              </a:rPr>
+              <a:t>Use your data to create a </a:t>
+            </a:r>
+            <a:r>
+              <a:rPr lang="en-US">
+                <a:solidFill>
+                  <a:schemeClr val="accent6">
+                    <a:lumMod val="75000"/>
+                  </a:schemeClr>
+                </a:solidFill>
+                <a:latin typeface="Consolas" panose="020B0609020204030204" pitchFamily="49" charset="0"/>
+                <a:cs typeface="Consolas" panose="020B0609020204030204" pitchFamily="49" charset="0"/>
+              </a:rPr>
+              <a:t>different chart</a:t>
+            </a:r>
+            <a:endParaRPr lang="en-US" dirty="0">
+              <a:solidFill>
+                <a:schemeClr val="accent6">
+                  <a:lumMod val="75000"/>
+                </a:schemeClr>
+              </a:solidFill>
+              <a:latin typeface="Consolas" panose="020B0609020204030204" pitchFamily="49" charset="0"/>
+              <a:cs typeface="Consolas" panose="020B0609020204030204" pitchFamily="49" charset="0"/>
+            </a:endParaRPr>
+          </a:p>
+        </p:txBody>
+      </p:sp>
+    </p:spTree>
+    <p:extLst>
+      <p:ext uri="{BB962C8B-B14F-4D97-AF65-F5344CB8AC3E}">
+        <p14:creationId xmlns:p14="http://schemas.microsoft.com/office/powerpoint/2010/main" val="564650729"/>
       </p:ext>
     </p:extLst>
   </p:cSld>
